--- a/slides/04-kubernetes.pptx
+++ b/slides/04-kubernetes.pptx
@@ -8,7 +8,7 @@
     <p:notesMasterId r:id="rId5"/>
   </p:notesMasterIdLst>
   <p:sldIdLst>
-    <p:sldId id="497" r:id="rId2"/>
+    <p:sldId id="500" r:id="rId2"/>
     <p:sldId id="498" r:id="rId3"/>
     <p:sldId id="499" r:id="rId4"/>
   </p:sldIdLst>
@@ -5759,10 +5759,154 @@
           </a:prstGeom>
         </p:spPr>
       </p:pic>
+      <p:sp>
+        <p:nvSpPr>
+          <p:cNvPr id="29" name="TextBox 28">
+            <a:extLst>
+              <a:ext uri="{FF2B5EF4-FFF2-40B4-BE49-F238E27FC236}">
+                <a16:creationId xmlns:a16="http://schemas.microsoft.com/office/drawing/2014/main" id="{C0583852-FF94-479A-AE09-59D69D51E079}"/>
+              </a:ext>
+            </a:extLst>
+          </p:cNvPr>
+          <p:cNvSpPr txBox="1"/>
+          <p:nvPr/>
+        </p:nvSpPr>
+        <p:spPr>
+          <a:xfrm>
+            <a:off x="4119514" y="4264494"/>
+            <a:ext cx="1643399" cy="338554"/>
+          </a:xfrm>
+          <a:prstGeom prst="rect">
+            <a:avLst/>
+          </a:prstGeom>
+          <a:noFill/>
+        </p:spPr>
+        <p:txBody>
+          <a:bodyPr wrap="none" rtlCol="0">
+            <a:spAutoFit/>
+          </a:bodyPr>
+          <a:lstStyle/>
+          <a:p>
+            <a:r>
+              <a:rPr lang="en-GB" sz="1600">
+                <a:solidFill>
+                  <a:srgbClr val="00188D"/>
+                </a:solidFill>
+                <a:latin typeface="Consolas" panose="020B0609020204030204" pitchFamily="49" charset="0"/>
+                <a:cs typeface="Arial" panose="020B0604020202020204" pitchFamily="34" charset="0"/>
+              </a:rPr>
+              <a:t>Configuration</a:t>
+            </a:r>
+            <a:endParaRPr lang="en-US" sz="1600" dirty="0">
+              <a:solidFill>
+                <a:srgbClr val="00188D"/>
+              </a:solidFill>
+              <a:latin typeface="Consolas" panose="020B0609020204030204" pitchFamily="49" charset="0"/>
+              <a:cs typeface="Arial" panose="020B0604020202020204" pitchFamily="34" charset="0"/>
+            </a:endParaRPr>
+          </a:p>
+        </p:txBody>
+      </p:sp>
+      <p:sp>
+        <p:nvSpPr>
+          <p:cNvPr id="30" name="TextBox 29">
+            <a:extLst>
+              <a:ext uri="{FF2B5EF4-FFF2-40B4-BE49-F238E27FC236}">
+                <a16:creationId xmlns:a16="http://schemas.microsoft.com/office/drawing/2014/main" id="{9BEE05A0-2A53-417F-BD3D-CA89EE86C473}"/>
+              </a:ext>
+            </a:extLst>
+          </p:cNvPr>
+          <p:cNvSpPr txBox="1"/>
+          <p:nvPr/>
+        </p:nvSpPr>
+        <p:spPr>
+          <a:xfrm>
+            <a:off x="1282841" y="4264493"/>
+            <a:ext cx="970137" cy="338554"/>
+          </a:xfrm>
+          <a:prstGeom prst="rect">
+            <a:avLst/>
+          </a:prstGeom>
+          <a:noFill/>
+        </p:spPr>
+        <p:txBody>
+          <a:bodyPr wrap="none" rtlCol="0">
+            <a:spAutoFit/>
+          </a:bodyPr>
+          <a:lstStyle/>
+          <a:p>
+            <a:r>
+              <a:rPr lang="en-GB" sz="1600">
+                <a:solidFill>
+                  <a:srgbClr val="00188D"/>
+                </a:solidFill>
+                <a:latin typeface="Consolas" panose="020B0609020204030204" pitchFamily="49" charset="0"/>
+                <a:cs typeface="Arial" panose="020B0604020202020204" pitchFamily="34" charset="0"/>
+              </a:rPr>
+              <a:t>Secrets</a:t>
+            </a:r>
+            <a:endParaRPr lang="en-US" sz="1600" dirty="0">
+              <a:solidFill>
+                <a:srgbClr val="00188D"/>
+              </a:solidFill>
+              <a:latin typeface="Consolas" panose="020B0609020204030204" pitchFamily="49" charset="0"/>
+              <a:cs typeface="Arial" panose="020B0604020202020204" pitchFamily="34" charset="0"/>
+            </a:endParaRPr>
+          </a:p>
+        </p:txBody>
+      </p:sp>
+      <p:sp>
+        <p:nvSpPr>
+          <p:cNvPr id="33" name="TextBox 32">
+            <a:extLst>
+              <a:ext uri="{FF2B5EF4-FFF2-40B4-BE49-F238E27FC236}">
+                <a16:creationId xmlns:a16="http://schemas.microsoft.com/office/drawing/2014/main" id="{267E43BB-EC1D-45B1-8991-4D2170901403}"/>
+              </a:ext>
+            </a:extLst>
+          </p:cNvPr>
+          <p:cNvSpPr txBox="1"/>
+          <p:nvPr/>
+        </p:nvSpPr>
+        <p:spPr>
+          <a:xfrm>
+            <a:off x="7424257" y="4264493"/>
+            <a:ext cx="745717" cy="338554"/>
+          </a:xfrm>
+          <a:prstGeom prst="rect">
+            <a:avLst/>
+          </a:prstGeom>
+          <a:noFill/>
+        </p:spPr>
+        <p:txBody>
+          <a:bodyPr wrap="none" rtlCol="0">
+            <a:spAutoFit/>
+          </a:bodyPr>
+          <a:lstStyle/>
+          <a:p>
+            <a:r>
+              <a:rPr lang="en-GB" sz="1600">
+                <a:solidFill>
+                  <a:srgbClr val="00188D"/>
+                </a:solidFill>
+                <a:latin typeface="Consolas" panose="020B0609020204030204" pitchFamily="49" charset="0"/>
+                <a:cs typeface="Arial" panose="020B0604020202020204" pitchFamily="34" charset="0"/>
+              </a:rPr>
+              <a:t>State</a:t>
+            </a:r>
+            <a:endParaRPr lang="en-US" sz="1600" dirty="0">
+              <a:solidFill>
+                <a:srgbClr val="00188D"/>
+              </a:solidFill>
+              <a:latin typeface="Consolas" panose="020B0609020204030204" pitchFamily="49" charset="0"/>
+              <a:cs typeface="Arial" panose="020B0604020202020204" pitchFamily="34" charset="0"/>
+            </a:endParaRPr>
+          </a:p>
+        </p:txBody>
+      </p:sp>
     </p:spTree>
     <p:extLst>
       <p:ext uri="{BB962C8B-B14F-4D97-AF65-F5344CB8AC3E}">
-        <p14:creationId xmlns:p14="http://schemas.microsoft.com/office/powerpoint/2010/main" val="1935953659"/>
+        <p14:creationId xmlns:p14="http://schemas.microsoft.com/office/powerpoint/2010/main" val="291505496"/>
       </p:ext>
     </p:extLst>
   </p:cSld>
@@ -7807,7 +7951,7 @@
                             </p:stCondLst>
                             <p:childTnLst>
                               <p:par>
-                                <p:cTn id="5" presetID="1" presetClass="entr" presetSubtype="0" fill="hold" grpId="0" nodeType="clickEffect">
+                                <p:cTn id="5" presetID="1" presetClass="entr" presetSubtype="0" fill="hold" nodeType="clickEffect">
                                   <p:stCondLst>
                                     <p:cond delay="0"/>
                                   </p:stCondLst>
@@ -7820,7 +7964,7 @@
                                           </p:stCondLst>
                                         </p:cTn>
                                         <p:tgtEl>
-                                          <p:spTgt spid="24"/>
+                                          <p:spTgt spid="25"/>
                                         </p:tgtEl>
                                         <p:attrNameLst>
                                           <p:attrName>style.visibility</p:attrName>
@@ -7852,7 +7996,7 @@
                             </p:stCondLst>
                             <p:childTnLst>
                               <p:par>
-                                <p:cTn id="9" presetID="1" presetClass="entr" presetSubtype="0" fill="hold" nodeType="clickEffect">
+                                <p:cTn id="9" presetID="1" presetClass="entr" presetSubtype="0" fill="hold" grpId="0" nodeType="clickEffect">
                                   <p:stCondLst>
                                     <p:cond delay="0"/>
                                   </p:stCondLst>
@@ -7860,6 +8004,51 @@
                                     <p:set>
                                       <p:cBhvr>
                                         <p:cTn id="10" dur="1" fill="hold">
+                                          <p:stCondLst>
+                                            <p:cond delay="0"/>
+                                          </p:stCondLst>
+                                        </p:cTn>
+                                        <p:tgtEl>
+                                          <p:spTgt spid="24"/>
+                                        </p:tgtEl>
+                                        <p:attrNameLst>
+                                          <p:attrName>style.visibility</p:attrName>
+                                        </p:attrNameLst>
+                                      </p:cBhvr>
+                                      <p:to>
+                                        <p:strVal val="visible"/>
+                                      </p:to>
+                                    </p:set>
+                                  </p:childTnLst>
+                                </p:cTn>
+                              </p:par>
+                            </p:childTnLst>
+                          </p:cTn>
+                        </p:par>
+                      </p:childTnLst>
+                    </p:cTn>
+                  </p:par>
+                  <p:par>
+                    <p:cTn id="11" fill="hold">
+                      <p:stCondLst>
+                        <p:cond delay="indefinite"/>
+                      </p:stCondLst>
+                      <p:childTnLst>
+                        <p:par>
+                          <p:cTn id="12" fill="hold">
+                            <p:stCondLst>
+                              <p:cond delay="0"/>
+                            </p:stCondLst>
+                            <p:childTnLst>
+                              <p:par>
+                                <p:cTn id="13" presetID="1" presetClass="entr" presetSubtype="0" fill="hold" nodeType="clickEffect">
+                                  <p:stCondLst>
+                                    <p:cond delay="0"/>
+                                  </p:stCondLst>
+                                  <p:childTnLst>
+                                    <p:set>
+                                      <p:cBhvr>
+                                        <p:cTn id="14" dur="1" fill="hold">
                                           <p:stCondLst>
                                             <p:cond delay="0"/>
                                           </p:stCondLst>
@@ -7879,14 +8068,14 @@
                                 </p:cTn>
                               </p:par>
                               <p:par>
-                                <p:cTn id="11" presetID="1" presetClass="entr" presetSubtype="0" fill="hold" nodeType="withEffect">
+                                <p:cTn id="15" presetID="1" presetClass="entr" presetSubtype="0" fill="hold" nodeType="withEffect">
                                   <p:stCondLst>
                                     <p:cond delay="0"/>
                                   </p:stCondLst>
                                   <p:childTnLst>
                                     <p:set>
                                       <p:cBhvr>
-                                        <p:cTn id="12" dur="1" fill="hold">
+                                        <p:cTn id="16" dur="1" fill="hold">
                                           <p:stCondLst>
                                             <p:cond delay="0"/>
                                           </p:stCondLst>
@@ -7906,52 +8095,7 @@
                                 </p:cTn>
                               </p:par>
                               <p:par>
-                                <p:cTn id="13" presetID="1" presetClass="entr" presetSubtype="0" fill="hold" grpId="0" nodeType="withEffect">
-                                  <p:stCondLst>
-                                    <p:cond delay="0"/>
-                                  </p:stCondLst>
-                                  <p:childTnLst>
-                                    <p:set>
-                                      <p:cBhvr>
-                                        <p:cTn id="14" dur="1" fill="hold">
-                                          <p:stCondLst>
-                                            <p:cond delay="0"/>
-                                          </p:stCondLst>
-                                        </p:cTn>
-                                        <p:tgtEl>
-                                          <p:spTgt spid="26"/>
-                                        </p:tgtEl>
-                                        <p:attrNameLst>
-                                          <p:attrName>style.visibility</p:attrName>
-                                        </p:attrNameLst>
-                                      </p:cBhvr>
-                                      <p:to>
-                                        <p:strVal val="visible"/>
-                                      </p:to>
-                                    </p:set>
-                                  </p:childTnLst>
-                                </p:cTn>
-                              </p:par>
-                            </p:childTnLst>
-                          </p:cTn>
-                        </p:par>
-                      </p:childTnLst>
-                    </p:cTn>
-                  </p:par>
-                  <p:par>
-                    <p:cTn id="15" fill="hold">
-                      <p:stCondLst>
-                        <p:cond delay="indefinite"/>
-                      </p:stCondLst>
-                      <p:childTnLst>
-                        <p:par>
-                          <p:cTn id="16" fill="hold">
-                            <p:stCondLst>
-                              <p:cond delay="0"/>
-                            </p:stCondLst>
-                            <p:childTnLst>
-                              <p:par>
-                                <p:cTn id="17" presetID="1" presetClass="entr" presetSubtype="0" fill="hold" grpId="0" nodeType="clickEffect">
+                                <p:cTn id="17" presetID="1" presetClass="entr" presetSubtype="0" fill="hold" grpId="0" nodeType="withEffect">
                                   <p:stCondLst>
                                     <p:cond delay="0"/>
                                   </p:stCondLst>
@@ -7964,7 +8108,7 @@
                                           </p:stCondLst>
                                         </p:cTn>
                                         <p:tgtEl>
-                                          <p:spTgt spid="29"/>
+                                          <p:spTgt spid="26"/>
                                         </p:tgtEl>
                                         <p:attrNameLst>
                                           <p:attrName>style.visibility</p:attrName>
@@ -7996,7 +8140,7 @@
                             </p:stCondLst>
                             <p:childTnLst>
                               <p:par>
-                                <p:cTn id="21" presetID="1" presetClass="entr" presetSubtype="0" fill="hold" nodeType="clickEffect">
+                                <p:cTn id="21" presetID="1" presetClass="entr" presetSubtype="0" fill="hold" grpId="0" nodeType="clickEffect">
                                   <p:stCondLst>
                                     <p:cond delay="0"/>
                                   </p:stCondLst>
@@ -8004,6 +8148,51 @@
                                     <p:set>
                                       <p:cBhvr>
                                         <p:cTn id="22" dur="1" fill="hold">
+                                          <p:stCondLst>
+                                            <p:cond delay="0"/>
+                                          </p:stCondLst>
+                                        </p:cTn>
+                                        <p:tgtEl>
+                                          <p:spTgt spid="29"/>
+                                        </p:tgtEl>
+                                        <p:attrNameLst>
+                                          <p:attrName>style.visibility</p:attrName>
+                                        </p:attrNameLst>
+                                      </p:cBhvr>
+                                      <p:to>
+                                        <p:strVal val="visible"/>
+                                      </p:to>
+                                    </p:set>
+                                  </p:childTnLst>
+                                </p:cTn>
+                              </p:par>
+                            </p:childTnLst>
+                          </p:cTn>
+                        </p:par>
+                      </p:childTnLst>
+                    </p:cTn>
+                  </p:par>
+                  <p:par>
+                    <p:cTn id="23" fill="hold">
+                      <p:stCondLst>
+                        <p:cond delay="indefinite"/>
+                      </p:stCondLst>
+                      <p:childTnLst>
+                        <p:par>
+                          <p:cTn id="24" fill="hold">
+                            <p:stCondLst>
+                              <p:cond delay="0"/>
+                            </p:stCondLst>
+                            <p:childTnLst>
+                              <p:par>
+                                <p:cTn id="25" presetID="1" presetClass="entr" presetSubtype="0" fill="hold" nodeType="clickEffect">
+                                  <p:stCondLst>
+                                    <p:cond delay="0"/>
+                                  </p:stCondLst>
+                                  <p:childTnLst>
+                                    <p:set>
+                                      <p:cBhvr>
+                                        <p:cTn id="26" dur="1" fill="hold">
                                           <p:stCondLst>
                                             <p:cond delay="0"/>
                                           </p:stCondLst>
@@ -8023,14 +8212,14 @@
                                 </p:cTn>
                               </p:par>
                               <p:par>
-                                <p:cTn id="23" presetID="1" presetClass="entr" presetSubtype="0" fill="hold" grpId="0" nodeType="withEffect">
+                                <p:cTn id="27" presetID="1" presetClass="entr" presetSubtype="0" fill="hold" grpId="0" nodeType="withEffect">
                                   <p:stCondLst>
                                     <p:cond delay="0"/>
                                   </p:stCondLst>
                                   <p:childTnLst>
                                     <p:set>
                                       <p:cBhvr>
-                                        <p:cTn id="24" dur="1" fill="hold">
+                                        <p:cTn id="28" dur="1" fill="hold">
                                           <p:stCondLst>
                                             <p:cond delay="0"/>
                                           </p:stCondLst>
@@ -8050,14 +8239,14 @@
                                 </p:cTn>
                               </p:par>
                               <p:par>
-                                <p:cTn id="25" presetID="1" presetClass="entr" presetSubtype="0" fill="hold" grpId="0" nodeType="withEffect">
+                                <p:cTn id="29" presetID="1" presetClass="entr" presetSubtype="0" fill="hold" grpId="0" nodeType="withEffect">
                                   <p:stCondLst>
                                     <p:cond delay="0"/>
                                   </p:stCondLst>
                                   <p:childTnLst>
                                     <p:set>
                                       <p:cBhvr>
-                                        <p:cTn id="26" dur="1" fill="hold">
+                                        <p:cTn id="30" dur="1" fill="hold">
                                           <p:stCondLst>
                                             <p:cond delay="0"/>
                                           </p:stCondLst>
@@ -8083,73 +8272,19 @@
                     </p:cTn>
                   </p:par>
                   <p:par>
-                    <p:cTn id="27" fill="hold">
+                    <p:cTn id="31" fill="hold">
                       <p:stCondLst>
                         <p:cond delay="indefinite"/>
                       </p:stCondLst>
                       <p:childTnLst>
                         <p:par>
-                          <p:cTn id="28" fill="hold">
+                          <p:cTn id="32" fill="hold">
                             <p:stCondLst>
                               <p:cond delay="0"/>
                             </p:stCondLst>
                             <p:childTnLst>
                               <p:par>
-                                <p:cTn id="29" presetID="1" presetClass="entr" presetSubtype="0" fill="hold" grpId="0" nodeType="clickEffect">
-                                  <p:stCondLst>
-                                    <p:cond delay="0"/>
-                                  </p:stCondLst>
-                                  <p:childTnLst>
-                                    <p:set>
-                                      <p:cBhvr>
-                                        <p:cTn id="30" dur="1" fill="hold">
-                                          <p:stCondLst>
-                                            <p:cond delay="0"/>
-                                          </p:stCondLst>
-                                        </p:cTn>
-                                        <p:tgtEl>
-                                          <p:spTgt spid="32"/>
-                                        </p:tgtEl>
-                                        <p:attrNameLst>
-                                          <p:attrName>style.visibility</p:attrName>
-                                        </p:attrNameLst>
-                                      </p:cBhvr>
-                                      <p:to>
-                                        <p:strVal val="visible"/>
-                                      </p:to>
-                                    </p:set>
-                                  </p:childTnLst>
-                                </p:cTn>
-                              </p:par>
-                              <p:par>
-                                <p:cTn id="31" presetID="1" presetClass="entr" presetSubtype="0" fill="hold" nodeType="withEffect">
-                                  <p:stCondLst>
-                                    <p:cond delay="0"/>
-                                  </p:stCondLst>
-                                  <p:childTnLst>
-                                    <p:set>
-                                      <p:cBhvr>
-                                        <p:cTn id="32" dur="1" fill="hold">
-                                          <p:stCondLst>
-                                            <p:cond delay="0"/>
-                                          </p:stCondLst>
-                                        </p:cTn>
-                                        <p:tgtEl>
-                                          <p:spTgt spid="35"/>
-                                        </p:tgtEl>
-                                        <p:attrNameLst>
-                                          <p:attrName>style.visibility</p:attrName>
-                                        </p:attrNameLst>
-                                      </p:cBhvr>
-                                      <p:to>
-                                        <p:strVal val="visible"/>
-                                      </p:to>
-                                    </p:set>
-                                  </p:childTnLst>
-                                </p:cTn>
-                              </p:par>
-                              <p:par>
-                                <p:cTn id="33" presetID="1" presetClass="entr" presetSubtype="0" fill="hold" grpId="0" nodeType="withEffect">
+                                <p:cTn id="33" presetID="1" presetClass="entr" presetSubtype="0" fill="hold" grpId="0" nodeType="clickEffect">
                                   <p:stCondLst>
                                     <p:cond delay="0"/>
                                   </p:stCondLst>
@@ -8162,7 +8297,7 @@
                                           </p:stCondLst>
                                         </p:cTn>
                                         <p:tgtEl>
-                                          <p:spTgt spid="30"/>
+                                          <p:spTgt spid="32"/>
                                         </p:tgtEl>
                                         <p:attrNameLst>
                                           <p:attrName>style.visibility</p:attrName>
@@ -8189,6 +8324,60 @@
                                           </p:stCondLst>
                                         </p:cTn>
                                         <p:tgtEl>
+                                          <p:spTgt spid="35"/>
+                                        </p:tgtEl>
+                                        <p:attrNameLst>
+                                          <p:attrName>style.visibility</p:attrName>
+                                        </p:attrNameLst>
+                                      </p:cBhvr>
+                                      <p:to>
+                                        <p:strVal val="visible"/>
+                                      </p:to>
+                                    </p:set>
+                                  </p:childTnLst>
+                                </p:cTn>
+                              </p:par>
+                              <p:par>
+                                <p:cTn id="37" presetID="1" presetClass="entr" presetSubtype="0" fill="hold" grpId="0" nodeType="withEffect">
+                                  <p:stCondLst>
+                                    <p:cond delay="0"/>
+                                  </p:stCondLst>
+                                  <p:childTnLst>
+                                    <p:set>
+                                      <p:cBhvr>
+                                        <p:cTn id="38" dur="1" fill="hold">
+                                          <p:stCondLst>
+                                            <p:cond delay="0"/>
+                                          </p:stCondLst>
+                                        </p:cTn>
+                                        <p:tgtEl>
+                                          <p:spTgt spid="30"/>
+                                        </p:tgtEl>
+                                        <p:attrNameLst>
+                                          <p:attrName>style.visibility</p:attrName>
+                                        </p:attrNameLst>
+                                      </p:cBhvr>
+                                      <p:to>
+                                        <p:strVal val="visible"/>
+                                      </p:to>
+                                    </p:set>
+                                  </p:childTnLst>
+                                </p:cTn>
+                              </p:par>
+                              <p:par>
+                                <p:cTn id="39" presetID="1" presetClass="entr" presetSubtype="0" fill="hold" nodeType="withEffect">
+                                  <p:stCondLst>
+                                    <p:cond delay="0"/>
+                                  </p:stCondLst>
+                                  <p:childTnLst>
+                                    <p:set>
+                                      <p:cBhvr>
+                                        <p:cTn id="40" dur="1" fill="hold">
+                                          <p:stCondLst>
+                                            <p:cond delay="0"/>
+                                          </p:stCondLst>
+                                        </p:cTn>
+                                        <p:tgtEl>
                                           <p:spTgt spid="9"/>
                                         </p:tgtEl>
                                         <p:attrNameLst>
@@ -8209,26 +8398,26 @@
                     </p:cTn>
                   </p:par>
                   <p:par>
-                    <p:cTn id="37" fill="hold">
+                    <p:cTn id="41" fill="hold">
                       <p:stCondLst>
                         <p:cond delay="indefinite"/>
                       </p:stCondLst>
                       <p:childTnLst>
                         <p:par>
-                          <p:cTn id="38" fill="hold">
+                          <p:cTn id="42" fill="hold">
                             <p:stCondLst>
                               <p:cond delay="0"/>
                             </p:stCondLst>
                             <p:childTnLst>
                               <p:par>
-                                <p:cTn id="39" presetID="1" presetClass="entr" presetSubtype="0" fill="hold" grpId="0" nodeType="clickEffect">
+                                <p:cTn id="43" presetID="1" presetClass="entr" presetSubtype="0" fill="hold" grpId="0" nodeType="clickEffect">
                                   <p:stCondLst>
                                     <p:cond delay="0"/>
                                   </p:stCondLst>
                                   <p:childTnLst>
                                     <p:set>
                                       <p:cBhvr>
-                                        <p:cTn id="40" dur="1" fill="hold">
+                                        <p:cTn id="44" dur="1" fill="hold">
                                           <p:stCondLst>
                                             <p:cond delay="0"/>
                                           </p:stCondLst>
@@ -8248,14 +8437,14 @@
                                 </p:cTn>
                               </p:par>
                               <p:par>
-                                <p:cTn id="41" presetID="1" presetClass="entr" presetSubtype="0" fill="hold" nodeType="withEffect">
+                                <p:cTn id="45" presetID="1" presetClass="entr" presetSubtype="0" fill="hold" nodeType="withEffect">
                                   <p:stCondLst>
                                     <p:cond delay="0"/>
                                   </p:stCondLst>
                                   <p:childTnLst>
                                     <p:set>
                                       <p:cBhvr>
-                                        <p:cTn id="42" dur="1" fill="hold">
+                                        <p:cTn id="46" dur="1" fill="hold">
                                           <p:stCondLst>
                                             <p:cond delay="0"/>
                                           </p:stCondLst>
@@ -8275,14 +8464,14 @@
                                 </p:cTn>
                               </p:par>
                               <p:par>
-                                <p:cTn id="43" presetID="1" presetClass="entr" presetSubtype="0" fill="hold" grpId="0" nodeType="withEffect">
+                                <p:cTn id="47" presetID="1" presetClass="entr" presetSubtype="0" fill="hold" grpId="0" nodeType="withEffect">
                                   <p:stCondLst>
                                     <p:cond delay="0"/>
                                   </p:stCondLst>
                                   <p:childTnLst>
                                     <p:set>
                                       <p:cBhvr>
-                                        <p:cTn id="44" dur="1" fill="hold">
+                                        <p:cTn id="48" dur="1" fill="hold">
                                           <p:stCondLst>
                                             <p:cond delay="0"/>
                                           </p:stCondLst>
@@ -8302,14 +8491,14 @@
                                 </p:cTn>
                               </p:par>
                               <p:par>
-                                <p:cTn id="45" presetID="1" presetClass="entr" presetSubtype="0" fill="hold" grpId="0" nodeType="withEffect">
+                                <p:cTn id="49" presetID="1" presetClass="entr" presetSubtype="0" fill="hold" grpId="0" nodeType="withEffect">
                                   <p:stCondLst>
                                     <p:cond delay="0"/>
                                   </p:stCondLst>
                                   <p:childTnLst>
                                     <p:set>
                                       <p:cBhvr>
-                                        <p:cTn id="46" dur="1" fill="hold">
+                                        <p:cTn id="50" dur="1" fill="hold">
                                           <p:stCondLst>
                                             <p:cond delay="0"/>
                                           </p:stCondLst>
@@ -8329,14 +8518,14 @@
                                 </p:cTn>
                               </p:par>
                               <p:par>
-                                <p:cTn id="47" presetID="1" presetClass="entr" presetSubtype="0" fill="hold" nodeType="withEffect">
+                                <p:cTn id="51" presetID="1" presetClass="entr" presetSubtype="0" fill="hold" nodeType="withEffect">
                                   <p:stCondLst>
                                     <p:cond delay="0"/>
                                   </p:stCondLst>
                                   <p:childTnLst>
                                     <p:set>
                                       <p:cBhvr>
-                                        <p:cTn id="48" dur="1" fill="hold">
+                                        <p:cTn id="52" dur="1" fill="hold">
                                           <p:stCondLst>
                                             <p:cond delay="0"/>
                                           </p:stCondLst>
@@ -8356,14 +8545,14 @@
                                 </p:cTn>
                               </p:par>
                               <p:par>
-                                <p:cTn id="49" presetID="1" presetClass="entr" presetSubtype="0" fill="hold" nodeType="withEffect">
+                                <p:cTn id="53" presetID="1" presetClass="entr" presetSubtype="0" fill="hold" nodeType="withEffect">
                                   <p:stCondLst>
                                     <p:cond delay="0"/>
                                   </p:stCondLst>
                                   <p:childTnLst>
                                     <p:set>
                                       <p:cBhvr>
-                                        <p:cTn id="50" dur="1" fill="hold">
+                                        <p:cTn id="54" dur="1" fill="hold">
                                           <p:stCondLst>
                                             <p:cond delay="0"/>
                                           </p:stCondLst>
@@ -8389,26 +8578,26 @@
                     </p:cTn>
                   </p:par>
                   <p:par>
-                    <p:cTn id="51" fill="hold">
+                    <p:cTn id="55" fill="hold">
                       <p:stCondLst>
                         <p:cond delay="indefinite"/>
                       </p:stCondLst>
                       <p:childTnLst>
                         <p:par>
-                          <p:cTn id="52" fill="hold">
+                          <p:cTn id="56" fill="hold">
                             <p:stCondLst>
                               <p:cond delay="0"/>
                             </p:stCondLst>
                             <p:childTnLst>
                               <p:par>
-                                <p:cTn id="53" presetID="1" presetClass="entr" presetSubtype="0" fill="hold" nodeType="clickEffect">
+                                <p:cTn id="57" presetID="1" presetClass="entr" presetSubtype="0" fill="hold" nodeType="clickEffect">
                                   <p:stCondLst>
                                     <p:cond delay="0"/>
                                   </p:stCondLst>
                                   <p:childTnLst>
                                     <p:set>
                                       <p:cBhvr>
-                                        <p:cTn id="54" dur="1" fill="hold">
+                                        <p:cTn id="58" dur="1" fill="hold">
                                           <p:stCondLst>
                                             <p:cond delay="0"/>
                                           </p:stCondLst>
@@ -8428,14 +8617,14 @@
                                 </p:cTn>
                               </p:par>
                               <p:par>
-                                <p:cTn id="55" presetID="1" presetClass="entr" presetSubtype="0" fill="hold" nodeType="withEffect">
+                                <p:cTn id="59" presetID="1" presetClass="entr" presetSubtype="0" fill="hold" nodeType="withEffect">
                                   <p:stCondLst>
                                     <p:cond delay="0"/>
                                   </p:stCondLst>
                                   <p:childTnLst>
                                     <p:set>
                                       <p:cBhvr>
-                                        <p:cTn id="56" dur="1" fill="hold">
+                                        <p:cTn id="60" dur="1" fill="hold">
                                           <p:stCondLst>
                                             <p:cond delay="0"/>
                                           </p:stCondLst>
@@ -8461,26 +8650,26 @@
                     </p:cTn>
                   </p:par>
                   <p:par>
-                    <p:cTn id="57" fill="hold">
+                    <p:cTn id="61" fill="hold">
                       <p:stCondLst>
                         <p:cond delay="indefinite"/>
                       </p:stCondLst>
                       <p:childTnLst>
                         <p:par>
-                          <p:cTn id="58" fill="hold">
+                          <p:cTn id="62" fill="hold">
                             <p:stCondLst>
                               <p:cond delay="0"/>
                             </p:stCondLst>
                             <p:childTnLst>
                               <p:par>
-                                <p:cTn id="59" presetID="1" presetClass="entr" presetSubtype="0" fill="hold" nodeType="clickEffect">
+                                <p:cTn id="63" presetID="1" presetClass="entr" presetSubtype="0" fill="hold" nodeType="clickEffect">
                                   <p:stCondLst>
                                     <p:cond delay="0"/>
                                   </p:stCondLst>
                                   <p:childTnLst>
                                     <p:set>
                                       <p:cBhvr>
-                                        <p:cTn id="60" dur="1" fill="hold">
+                                        <p:cTn id="64" dur="1" fill="hold">
                                           <p:stCondLst>
                                             <p:cond delay="0"/>
                                           </p:stCondLst>
@@ -8500,14 +8689,14 @@
                                 </p:cTn>
                               </p:par>
                               <p:par>
-                                <p:cTn id="61" presetID="1" presetClass="entr" presetSubtype="0" fill="hold" nodeType="withEffect">
+                                <p:cTn id="65" presetID="1" presetClass="entr" presetSubtype="0" fill="hold" nodeType="withEffect">
                                   <p:stCondLst>
                                     <p:cond delay="0"/>
                                   </p:stCondLst>
                                   <p:childTnLst>
                                     <p:set>
                                       <p:cBhvr>
-                                        <p:cTn id="62" dur="1" fill="hold">
+                                        <p:cTn id="66" dur="1" fill="hold">
                                           <p:stCondLst>
                                             <p:cond delay="0"/>
                                           </p:stCondLst>
@@ -8533,26 +8722,26 @@
                     </p:cTn>
                   </p:par>
                   <p:par>
-                    <p:cTn id="63" fill="hold">
+                    <p:cTn id="67" fill="hold">
                       <p:stCondLst>
                         <p:cond delay="indefinite"/>
                       </p:stCondLst>
                       <p:childTnLst>
                         <p:par>
-                          <p:cTn id="64" fill="hold">
+                          <p:cTn id="68" fill="hold">
                             <p:stCondLst>
                               <p:cond delay="0"/>
                             </p:stCondLst>
                             <p:childTnLst>
                               <p:par>
-                                <p:cTn id="65" presetID="1" presetClass="entr" presetSubtype="0" fill="hold" grpId="0" nodeType="clickEffect">
+                                <p:cTn id="69" presetID="1" presetClass="entr" presetSubtype="0" fill="hold" grpId="0" nodeType="clickEffect">
                                   <p:stCondLst>
                                     <p:cond delay="0"/>
                                   </p:stCondLst>
                                   <p:childTnLst>
                                     <p:set>
                                       <p:cBhvr>
-                                        <p:cTn id="66" dur="1" fill="hold">
+                                        <p:cTn id="70" dur="1" fill="hold">
                                           <p:stCondLst>
                                             <p:cond delay="0"/>
                                           </p:stCondLst>
@@ -8572,14 +8761,14 @@
                                 </p:cTn>
                               </p:par>
                               <p:par>
-                                <p:cTn id="67" presetID="1" presetClass="entr" presetSubtype="0" fill="hold" nodeType="withEffect">
+                                <p:cTn id="71" presetID="1" presetClass="entr" presetSubtype="0" fill="hold" nodeType="withEffect">
                                   <p:stCondLst>
                                     <p:cond delay="0"/>
                                   </p:stCondLst>
                                   <p:childTnLst>
                                     <p:set>
                                       <p:cBhvr>
-                                        <p:cTn id="68" dur="1" fill="hold">
+                                        <p:cTn id="72" dur="1" fill="hold">
                                           <p:stCondLst>
                                             <p:cond delay="0"/>
                                           </p:stCondLst>
@@ -8599,14 +8788,14 @@
                                 </p:cTn>
                               </p:par>
                               <p:par>
-                                <p:cTn id="69" presetID="1" presetClass="entr" presetSubtype="0" fill="hold" nodeType="withEffect">
+                                <p:cTn id="73" presetID="1" presetClass="entr" presetSubtype="0" fill="hold" nodeType="withEffect">
                                   <p:stCondLst>
                                     <p:cond delay="0"/>
                                   </p:stCondLst>
                                   <p:childTnLst>
                                     <p:set>
                                       <p:cBhvr>
-                                        <p:cTn id="70" dur="1" fill="hold">
+                                        <p:cTn id="74" dur="1" fill="hold">
                                           <p:stCondLst>
                                             <p:cond delay="0"/>
                                           </p:stCondLst>
@@ -8632,26 +8821,26 @@
                     </p:cTn>
                   </p:par>
                   <p:par>
-                    <p:cTn id="71" fill="hold">
+                    <p:cTn id="75" fill="hold">
                       <p:stCondLst>
                         <p:cond delay="indefinite"/>
                       </p:stCondLst>
                       <p:childTnLst>
                         <p:par>
-                          <p:cTn id="72" fill="hold">
+                          <p:cTn id="76" fill="hold">
                             <p:stCondLst>
                               <p:cond delay="0"/>
                             </p:stCondLst>
                             <p:childTnLst>
                               <p:par>
-                                <p:cTn id="73" presetID="1" presetClass="entr" presetSubtype="0" fill="hold" nodeType="clickEffect">
+                                <p:cTn id="77" presetID="1" presetClass="entr" presetSubtype="0" fill="hold" nodeType="clickEffect">
                                   <p:stCondLst>
                                     <p:cond delay="0"/>
                                   </p:stCondLst>
                                   <p:childTnLst>
                                     <p:set>
                                       <p:cBhvr>
-                                        <p:cTn id="74" dur="1" fill="hold">
+                                        <p:cTn id="78" dur="1" fill="hold">
                                           <p:stCondLst>
                                             <p:cond delay="0"/>
                                           </p:stCondLst>
@@ -8671,14 +8860,14 @@
                                 </p:cTn>
                               </p:par>
                               <p:par>
-                                <p:cTn id="75" presetID="1" presetClass="entr" presetSubtype="0" fill="hold" nodeType="withEffect">
+                                <p:cTn id="79" presetID="1" presetClass="entr" presetSubtype="0" fill="hold" nodeType="withEffect">
                                   <p:stCondLst>
                                     <p:cond delay="0"/>
                                   </p:stCondLst>
                                   <p:childTnLst>
                                     <p:set>
                                       <p:cBhvr>
-                                        <p:cTn id="76" dur="1" fill="hold">
+                                        <p:cTn id="80" dur="1" fill="hold">
                                           <p:stCondLst>
                                             <p:cond delay="0"/>
                                           </p:stCondLst>
@@ -8698,14 +8887,14 @@
                                 </p:cTn>
                               </p:par>
                               <p:par>
-                                <p:cTn id="77" presetID="1" presetClass="entr" presetSubtype="0" fill="hold" grpId="0" nodeType="withEffect">
+                                <p:cTn id="81" presetID="1" presetClass="entr" presetSubtype="0" fill="hold" grpId="0" nodeType="withEffect">
                                   <p:stCondLst>
                                     <p:cond delay="0"/>
                                   </p:stCondLst>
                                   <p:childTnLst>
                                     <p:set>
                                       <p:cBhvr>
-                                        <p:cTn id="78" dur="1" fill="hold">
+                                        <p:cTn id="82" dur="1" fill="hold">
                                           <p:stCondLst>
                                             <p:cond delay="0"/>
                                           </p:stCondLst>
@@ -8731,26 +8920,26 @@
                     </p:cTn>
                   </p:par>
                   <p:par>
-                    <p:cTn id="79" fill="hold">
+                    <p:cTn id="83" fill="hold">
                       <p:stCondLst>
                         <p:cond delay="indefinite"/>
                       </p:stCondLst>
                       <p:childTnLst>
                         <p:par>
-                          <p:cTn id="80" fill="hold">
+                          <p:cTn id="84" fill="hold">
                             <p:stCondLst>
                               <p:cond delay="0"/>
                             </p:stCondLst>
                             <p:childTnLst>
                               <p:par>
-                                <p:cTn id="81" presetID="1" presetClass="entr" presetSubtype="0" fill="hold" grpId="0" nodeType="clickEffect">
+                                <p:cTn id="85" presetID="1" presetClass="entr" presetSubtype="0" fill="hold" grpId="0" nodeType="clickEffect">
                                   <p:stCondLst>
                                     <p:cond delay="0"/>
                                   </p:stCondLst>
                                   <p:childTnLst>
                                     <p:set>
                                       <p:cBhvr>
-                                        <p:cTn id="82" dur="1" fill="hold">
+                                        <p:cTn id="86" dur="1" fill="hold">
                                           <p:stCondLst>
                                             <p:cond delay="0"/>
                                           </p:stCondLst>
@@ -8770,14 +8959,14 @@
                                 </p:cTn>
                               </p:par>
                               <p:par>
-                                <p:cTn id="83" presetID="1" presetClass="entr" presetSubtype="0" fill="hold" nodeType="withEffect">
+                                <p:cTn id="87" presetID="1" presetClass="entr" presetSubtype="0" fill="hold" nodeType="withEffect">
                                   <p:stCondLst>
                                     <p:cond delay="0"/>
                                   </p:stCondLst>
                                   <p:childTnLst>
                                     <p:set>
                                       <p:cBhvr>
-                                        <p:cTn id="84" dur="1" fill="hold">
+                                        <p:cTn id="88" dur="1" fill="hold">
                                           <p:stCondLst>
                                             <p:cond delay="0"/>
                                           </p:stCondLst>
@@ -8797,14 +8986,14 @@
                                 </p:cTn>
                               </p:par>
                               <p:par>
-                                <p:cTn id="85" presetID="1" presetClass="entr" presetSubtype="0" fill="hold" nodeType="withEffect">
+                                <p:cTn id="89" presetID="1" presetClass="entr" presetSubtype="0" fill="hold" nodeType="withEffect">
                                   <p:stCondLst>
                                     <p:cond delay="0"/>
                                   </p:stCondLst>
                                   <p:childTnLst>
                                     <p:set>
                                       <p:cBhvr>
-                                        <p:cTn id="86" dur="1" fill="hold">
+                                        <p:cTn id="90" dur="1" fill="hold">
                                           <p:stCondLst>
                                             <p:cond delay="0"/>
                                           </p:stCondLst>
